--- a/docs/Präsentation_dhmuc_23-02-13.pptx
+++ b/docs/Präsentation_dhmuc_23-02-13.pptx
@@ -3524,7 +3524,7 @@
                 <a:ea typeface="Libertinus Sans"/>
                 <a:cs typeface="Libertinus Sans"/>
               </a:rPr>
-              <a:t> MathML-Code </a:t>
+              <a:t> MathML-Core </a:t>
             </a:r>
             <a:r>
               <a:rPr lang="en-US" sz="1400" b="0" i="0" u="none" strike="noStrike" cap="none" spc="0" dirty="0" err="1">
